--- a/자료구조/(20191009)패턴.pptx
+++ b/자료구조/(20191009)패턴.pptx
@@ -17,6 +17,10 @@
     <p:sldId id="266" r:id="rId11"/>
     <p:sldId id="267" r:id="rId12"/>
     <p:sldId id="268" r:id="rId13"/>
+    <p:sldId id="269" r:id="rId14"/>
+    <p:sldId id="270" r:id="rId15"/>
+    <p:sldId id="271" r:id="rId16"/>
+    <p:sldId id="272" r:id="rId17"/>
   </p:sldIdLst>
   <p:sldSz cx="12192000" cy="6858000"/>
   <p:notesSz cx="6858000" cy="9144000"/>
@@ -115,6 +119,11 @@
       </a:defRPr>
     </a:lvl9pPr>
   </p:defaultTextStyle>
+  <p:extLst>
+    <p:ext uri="{EFAFB233-063F-42B5-8137-9DF3F51BA10A}">
+      <p15:sldGuideLst xmlns:p15="http://schemas.microsoft.com/office/powerpoint/2012/main"/>
+    </p:ext>
+  </p:extLst>
 </p:presentation>
 </file>
 
@@ -265,7 +274,7 @@
           <a:p>
             <a:fld id="{FB312E4F-104F-044B-9AC1-88669DC80764}" type="datetimeFigureOut">
               <a:rPr kumimoji="1" lang="ko-KR" altLang="en-US" smtClean="0"/>
-              <a:t>2019. 10. 9.</a:t>
+              <a:t>2019. 10. 14.</a:t>
             </a:fld>
             <a:endParaRPr kumimoji="1" lang="ko-KR" altLang="en-US"/>
           </a:p>
@@ -463,7 +472,7 @@
           <a:p>
             <a:fld id="{FB312E4F-104F-044B-9AC1-88669DC80764}" type="datetimeFigureOut">
               <a:rPr kumimoji="1" lang="ko-KR" altLang="en-US" smtClean="0"/>
-              <a:t>2019. 10. 9.</a:t>
+              <a:t>2019. 10. 14.</a:t>
             </a:fld>
             <a:endParaRPr kumimoji="1" lang="ko-KR" altLang="en-US"/>
           </a:p>
@@ -671,7 +680,7 @@
           <a:p>
             <a:fld id="{FB312E4F-104F-044B-9AC1-88669DC80764}" type="datetimeFigureOut">
               <a:rPr kumimoji="1" lang="ko-KR" altLang="en-US" smtClean="0"/>
-              <a:t>2019. 10. 9.</a:t>
+              <a:t>2019. 10. 14.</a:t>
             </a:fld>
             <a:endParaRPr kumimoji="1" lang="ko-KR" altLang="en-US"/>
           </a:p>
@@ -869,7 +878,7 @@
           <a:p>
             <a:fld id="{FB312E4F-104F-044B-9AC1-88669DC80764}" type="datetimeFigureOut">
               <a:rPr kumimoji="1" lang="ko-KR" altLang="en-US" smtClean="0"/>
-              <a:t>2019. 10. 9.</a:t>
+              <a:t>2019. 10. 14.</a:t>
             </a:fld>
             <a:endParaRPr kumimoji="1" lang="ko-KR" altLang="en-US"/>
           </a:p>
@@ -1144,7 +1153,7 @@
           <a:p>
             <a:fld id="{FB312E4F-104F-044B-9AC1-88669DC80764}" type="datetimeFigureOut">
               <a:rPr kumimoji="1" lang="ko-KR" altLang="en-US" smtClean="0"/>
-              <a:t>2019. 10. 9.</a:t>
+              <a:t>2019. 10. 14.</a:t>
             </a:fld>
             <a:endParaRPr kumimoji="1" lang="ko-KR" altLang="en-US"/>
           </a:p>
@@ -1409,7 +1418,7 @@
           <a:p>
             <a:fld id="{FB312E4F-104F-044B-9AC1-88669DC80764}" type="datetimeFigureOut">
               <a:rPr kumimoji="1" lang="ko-KR" altLang="en-US" smtClean="0"/>
-              <a:t>2019. 10. 9.</a:t>
+              <a:t>2019. 10. 14.</a:t>
             </a:fld>
             <a:endParaRPr kumimoji="1" lang="ko-KR" altLang="en-US"/>
           </a:p>
@@ -1821,7 +1830,7 @@
           <a:p>
             <a:fld id="{FB312E4F-104F-044B-9AC1-88669DC80764}" type="datetimeFigureOut">
               <a:rPr kumimoji="1" lang="ko-KR" altLang="en-US" smtClean="0"/>
-              <a:t>2019. 10. 9.</a:t>
+              <a:t>2019. 10. 14.</a:t>
             </a:fld>
             <a:endParaRPr kumimoji="1" lang="ko-KR" altLang="en-US"/>
           </a:p>
@@ -1962,7 +1971,7 @@
           <a:p>
             <a:fld id="{FB312E4F-104F-044B-9AC1-88669DC80764}" type="datetimeFigureOut">
               <a:rPr kumimoji="1" lang="ko-KR" altLang="en-US" smtClean="0"/>
-              <a:t>2019. 10. 9.</a:t>
+              <a:t>2019. 10. 14.</a:t>
             </a:fld>
             <a:endParaRPr kumimoji="1" lang="ko-KR" altLang="en-US"/>
           </a:p>
@@ -2075,7 +2084,7 @@
           <a:p>
             <a:fld id="{FB312E4F-104F-044B-9AC1-88669DC80764}" type="datetimeFigureOut">
               <a:rPr kumimoji="1" lang="ko-KR" altLang="en-US" smtClean="0"/>
-              <a:t>2019. 10. 9.</a:t>
+              <a:t>2019. 10. 14.</a:t>
             </a:fld>
             <a:endParaRPr kumimoji="1" lang="ko-KR" altLang="en-US"/>
           </a:p>
@@ -2386,7 +2395,7 @@
           <a:p>
             <a:fld id="{FB312E4F-104F-044B-9AC1-88669DC80764}" type="datetimeFigureOut">
               <a:rPr kumimoji="1" lang="ko-KR" altLang="en-US" smtClean="0"/>
-              <a:t>2019. 10. 9.</a:t>
+              <a:t>2019. 10. 14.</a:t>
             </a:fld>
             <a:endParaRPr kumimoji="1" lang="ko-KR" altLang="en-US"/>
           </a:p>
@@ -2674,7 +2683,7 @@
           <a:p>
             <a:fld id="{FB312E4F-104F-044B-9AC1-88669DC80764}" type="datetimeFigureOut">
               <a:rPr kumimoji="1" lang="ko-KR" altLang="en-US" smtClean="0"/>
-              <a:t>2019. 10. 9.</a:t>
+              <a:t>2019. 10. 14.</a:t>
             </a:fld>
             <a:endParaRPr kumimoji="1" lang="ko-KR" altLang="en-US"/>
           </a:p>
@@ -2915,7 +2924,7 @@
           <a:p>
             <a:fld id="{FB312E4F-104F-044B-9AC1-88669DC80764}" type="datetimeFigureOut">
               <a:rPr kumimoji="1" lang="ko-KR" altLang="en-US" smtClean="0"/>
-              <a:t>2019. 10. 9.</a:t>
+              <a:t>2019. 10. 14.</a:t>
             </a:fld>
             <a:endParaRPr kumimoji="1" lang="ko-KR" altLang="en-US"/>
           </a:p>
@@ -7810,6 +7819,276 @@
 </p:sld>
 </file>
 
+<file path=ppt/slides/slide13.xml><?xml version="1.0" encoding="utf-8"?>
+<p:sld xmlns:a="http://schemas.openxmlformats.org/drawingml/2006/main" xmlns:r="http://schemas.openxmlformats.org/officeDocument/2006/relationships" xmlns:p="http://schemas.openxmlformats.org/presentationml/2006/main">
+  <p:cSld>
+    <p:spTree>
+      <p:nvGrpSpPr>
+        <p:cNvPr id="1" name=""/>
+        <p:cNvGrpSpPr/>
+        <p:nvPr/>
+      </p:nvGrpSpPr>
+      <p:grpSpPr>
+        <a:xfrm>
+          <a:off x="0" y="0"/>
+          <a:ext cx="0" cy="0"/>
+          <a:chOff x="0" y="0"/>
+          <a:chExt cx="0" cy="0"/>
+        </a:xfrm>
+      </p:grpSpPr>
+      <p:sp>
+        <p:nvSpPr>
+          <p:cNvPr id="2" name="제목 1">
+            <a:extLst>
+              <a:ext uri="{FF2B5EF4-FFF2-40B4-BE49-F238E27FC236}">
+                <a16:creationId xmlns:a16="http://schemas.microsoft.com/office/drawing/2014/main" id="{FC4AB7CF-D560-7647-B0AA-DE9F59888484}"/>
+              </a:ext>
+            </a:extLst>
+          </p:cNvPr>
+          <p:cNvSpPr>
+            <a:spLocks noGrp="1"/>
+          </p:cNvSpPr>
+          <p:nvPr>
+            <p:ph type="title"/>
+          </p:nvPr>
+        </p:nvSpPr>
+        <p:spPr/>
+        <p:txBody>
+          <a:bodyPr/>
+          <a:lstStyle/>
+          <a:p>
+            <a:endParaRPr kumimoji="1" lang="ko-KR" altLang="en-US"/>
+          </a:p>
+        </p:txBody>
+      </p:sp>
+      <p:sp>
+        <p:nvSpPr>
+          <p:cNvPr id="3" name="내용 개체 틀 2">
+            <a:extLst>
+              <a:ext uri="{FF2B5EF4-FFF2-40B4-BE49-F238E27FC236}">
+                <a16:creationId xmlns:a16="http://schemas.microsoft.com/office/drawing/2014/main" id="{684AFF2D-30EA-BF49-8B1B-509B813AC6BB}"/>
+              </a:ext>
+            </a:extLst>
+          </p:cNvPr>
+          <p:cNvSpPr>
+            <a:spLocks noGrp="1"/>
+          </p:cNvSpPr>
+          <p:nvPr>
+            <p:ph idx="1"/>
+          </p:nvPr>
+        </p:nvSpPr>
+        <p:spPr/>
+        <p:txBody>
+          <a:bodyPr/>
+          <a:lstStyle/>
+          <a:p>
+            <a:endParaRPr kumimoji="1" lang="ko-KR" altLang="en-US"/>
+          </a:p>
+        </p:txBody>
+      </p:sp>
+    </p:spTree>
+    <p:extLst>
+      <p:ext uri="{BB962C8B-B14F-4D97-AF65-F5344CB8AC3E}">
+        <p14:creationId xmlns:p14="http://schemas.microsoft.com/office/powerpoint/2010/main" val="3367411585"/>
+      </p:ext>
+    </p:extLst>
+  </p:cSld>
+  <p:clrMapOvr>
+    <a:masterClrMapping/>
+  </p:clrMapOvr>
+</p:sld>
+</file>
+
+<file path=ppt/slides/slide14.xml><?xml version="1.0" encoding="utf-8"?>
+<p:sld xmlns:a="http://schemas.openxmlformats.org/drawingml/2006/main" xmlns:r="http://schemas.openxmlformats.org/officeDocument/2006/relationships" xmlns:p="http://schemas.openxmlformats.org/presentationml/2006/main">
+  <p:cSld>
+    <p:spTree>
+      <p:nvGrpSpPr>
+        <p:cNvPr id="1" name=""/>
+        <p:cNvGrpSpPr/>
+        <p:nvPr/>
+      </p:nvGrpSpPr>
+      <p:grpSpPr>
+        <a:xfrm>
+          <a:off x="0" y="0"/>
+          <a:ext cx="0" cy="0"/>
+          <a:chOff x="0" y="0"/>
+          <a:chExt cx="0" cy="0"/>
+        </a:xfrm>
+      </p:grpSpPr>
+    </p:spTree>
+    <p:extLst>
+      <p:ext uri="{BB962C8B-B14F-4D97-AF65-F5344CB8AC3E}">
+        <p14:creationId xmlns:p14="http://schemas.microsoft.com/office/powerpoint/2010/main" val="1804221103"/>
+      </p:ext>
+    </p:extLst>
+  </p:cSld>
+  <p:clrMapOvr>
+    <a:masterClrMapping/>
+  </p:clrMapOvr>
+</p:sld>
+</file>
+
+<file path=ppt/slides/slide15.xml><?xml version="1.0" encoding="utf-8"?>
+<p:sld xmlns:a="http://schemas.openxmlformats.org/drawingml/2006/main" xmlns:r="http://schemas.openxmlformats.org/officeDocument/2006/relationships" xmlns:p="http://schemas.openxmlformats.org/presentationml/2006/main">
+  <p:cSld>
+    <p:spTree>
+      <p:nvGrpSpPr>
+        <p:cNvPr id="1" name=""/>
+        <p:cNvGrpSpPr/>
+        <p:nvPr/>
+      </p:nvGrpSpPr>
+      <p:grpSpPr>
+        <a:xfrm>
+          <a:off x="0" y="0"/>
+          <a:ext cx="0" cy="0"/>
+          <a:chOff x="0" y="0"/>
+          <a:chExt cx="0" cy="0"/>
+        </a:xfrm>
+      </p:grpSpPr>
+      <p:sp>
+        <p:nvSpPr>
+          <p:cNvPr id="2" name="제목 1">
+            <a:extLst>
+              <a:ext uri="{FF2B5EF4-FFF2-40B4-BE49-F238E27FC236}">
+                <a16:creationId xmlns:a16="http://schemas.microsoft.com/office/drawing/2014/main" id="{ADA5DAD4-7832-D143-B223-A680961C83D2}"/>
+              </a:ext>
+            </a:extLst>
+          </p:cNvPr>
+          <p:cNvSpPr>
+            <a:spLocks noGrp="1"/>
+          </p:cNvSpPr>
+          <p:nvPr>
+            <p:ph type="title"/>
+          </p:nvPr>
+        </p:nvSpPr>
+        <p:spPr/>
+        <p:txBody>
+          <a:bodyPr/>
+          <a:lstStyle/>
+          <a:p>
+            <a:endParaRPr kumimoji="1" lang="ko-KR" altLang="en-US"/>
+          </a:p>
+        </p:txBody>
+      </p:sp>
+      <p:sp>
+        <p:nvSpPr>
+          <p:cNvPr id="3" name="내용 개체 틀 2">
+            <a:extLst>
+              <a:ext uri="{FF2B5EF4-FFF2-40B4-BE49-F238E27FC236}">
+                <a16:creationId xmlns:a16="http://schemas.microsoft.com/office/drawing/2014/main" id="{208BC0F7-BAD5-4F4D-807C-315C279D9D31}"/>
+              </a:ext>
+            </a:extLst>
+          </p:cNvPr>
+          <p:cNvSpPr>
+            <a:spLocks noGrp="1"/>
+          </p:cNvSpPr>
+          <p:nvPr>
+            <p:ph idx="1"/>
+          </p:nvPr>
+        </p:nvSpPr>
+        <p:spPr/>
+        <p:txBody>
+          <a:bodyPr/>
+          <a:lstStyle/>
+          <a:p>
+            <a:endParaRPr kumimoji="1" lang="ko-KR" altLang="en-US"/>
+          </a:p>
+        </p:txBody>
+      </p:sp>
+    </p:spTree>
+    <p:extLst>
+      <p:ext uri="{BB962C8B-B14F-4D97-AF65-F5344CB8AC3E}">
+        <p14:creationId xmlns:p14="http://schemas.microsoft.com/office/powerpoint/2010/main" val="2058298975"/>
+      </p:ext>
+    </p:extLst>
+  </p:cSld>
+  <p:clrMapOvr>
+    <a:masterClrMapping/>
+  </p:clrMapOvr>
+</p:sld>
+</file>
+
+<file path=ppt/slides/slide16.xml><?xml version="1.0" encoding="utf-8"?>
+<p:sld xmlns:a="http://schemas.openxmlformats.org/drawingml/2006/main" xmlns:r="http://schemas.openxmlformats.org/officeDocument/2006/relationships" xmlns:p="http://schemas.openxmlformats.org/presentationml/2006/main">
+  <p:cSld>
+    <p:spTree>
+      <p:nvGrpSpPr>
+        <p:cNvPr id="1" name=""/>
+        <p:cNvGrpSpPr/>
+        <p:nvPr/>
+      </p:nvGrpSpPr>
+      <p:grpSpPr>
+        <a:xfrm>
+          <a:off x="0" y="0"/>
+          <a:ext cx="0" cy="0"/>
+          <a:chOff x="0" y="0"/>
+          <a:chExt cx="0" cy="0"/>
+        </a:xfrm>
+      </p:grpSpPr>
+      <p:sp>
+        <p:nvSpPr>
+          <p:cNvPr id="2" name="제목 1">
+            <a:extLst>
+              <a:ext uri="{FF2B5EF4-FFF2-40B4-BE49-F238E27FC236}">
+                <a16:creationId xmlns:a16="http://schemas.microsoft.com/office/drawing/2014/main" id="{8A3DD011-936B-184B-8B06-011DA225EA6F}"/>
+              </a:ext>
+            </a:extLst>
+          </p:cNvPr>
+          <p:cNvSpPr>
+            <a:spLocks noGrp="1"/>
+          </p:cNvSpPr>
+          <p:nvPr>
+            <p:ph type="title"/>
+          </p:nvPr>
+        </p:nvSpPr>
+        <p:spPr/>
+        <p:txBody>
+          <a:bodyPr/>
+          <a:lstStyle/>
+          <a:p>
+            <a:endParaRPr kumimoji="1" lang="ko-KR" altLang="en-US"/>
+          </a:p>
+        </p:txBody>
+      </p:sp>
+      <p:sp>
+        <p:nvSpPr>
+          <p:cNvPr id="3" name="내용 개체 틀 2">
+            <a:extLst>
+              <a:ext uri="{FF2B5EF4-FFF2-40B4-BE49-F238E27FC236}">
+                <a16:creationId xmlns:a16="http://schemas.microsoft.com/office/drawing/2014/main" id="{813A9CC6-6392-3F46-AD82-BC8C7C298B9D}"/>
+              </a:ext>
+            </a:extLst>
+          </p:cNvPr>
+          <p:cNvSpPr>
+            <a:spLocks noGrp="1"/>
+          </p:cNvSpPr>
+          <p:nvPr>
+            <p:ph idx="1"/>
+          </p:nvPr>
+        </p:nvSpPr>
+        <p:spPr/>
+        <p:txBody>
+          <a:bodyPr/>
+          <a:lstStyle/>
+          <a:p>
+            <a:endParaRPr kumimoji="1" lang="ko-KR" altLang="en-US"/>
+          </a:p>
+        </p:txBody>
+      </p:sp>
+    </p:spTree>
+    <p:extLst>
+      <p:ext uri="{BB962C8B-B14F-4D97-AF65-F5344CB8AC3E}">
+        <p14:creationId xmlns:p14="http://schemas.microsoft.com/office/powerpoint/2010/main" val="4106328606"/>
+      </p:ext>
+    </p:extLst>
+  </p:cSld>
+  <p:clrMapOvr>
+    <a:masterClrMapping/>
+  </p:clrMapOvr>
+</p:sld>
+</file>
+
 <file path=ppt/slides/slide2.xml><?xml version="1.0" encoding="utf-8"?>
 <p:sld xmlns:a="http://schemas.openxmlformats.org/drawingml/2006/main" xmlns:r="http://schemas.openxmlformats.org/officeDocument/2006/relationships" xmlns:p="http://schemas.openxmlformats.org/presentationml/2006/main">
   <p:cSld>
